--- a/notebooks/Presentation ML Project.pptx
+++ b/notebooks/Presentation ML Project.pptx
@@ -4580,7 +4580,7 @@
                 <a:cs typeface="Arapey"/>
                 <a:sym typeface="Arapey"/>
               </a:rPr>
-              <a:t>Random Forest achieved highest accuracy</a:t>
+              <a:t>Decision tree achieved highest accuracy</a:t>
             </a:r>
           </a:p>
           <a:p>
@@ -7790,7 +7790,7 @@
                 <a:cs typeface="Arapey"/>
                 <a:sym typeface="Arapey"/>
               </a:rPr>
-              <a:t>Random Forest</a:t>
+              <a:t>XGBoost</a:t>
             </a:r>
           </a:p>
         </p:txBody>
